--- a/Complimentary Course Content/Module4/Lessons/Module4_Lesson09 Hive Query Language In-Depth.pptx
+++ b/Complimentary Course Content/Module4/Lessons/Module4_Lesson09 Hive Query Language In-Depth.pptx
@@ -125,7 +125,7 @@
   </p:defaultTextStyle>
   <p:extLst>
     <p:ext uri="{EFAFB233-063F-42B5-8137-9DF3F51BA10A}">
-      <p15:sldGuideLst xmlns="" xmlns:p15="http://schemas.microsoft.com/office/powerpoint/2012/main"/>
+      <p15:sldGuideLst xmlns:p15="http://schemas.microsoft.com/office/powerpoint/2012/main" xmlns=""/>
     </p:ext>
   </p:extLst>
 </p:presentation>
@@ -214,7 +214,7 @@
             <a:fld id="{49B60EF2-7028-489F-85D8-FE86CD7CF2A0}" type="datetimeFigureOut">
               <a:rPr lang="en-US" smtClean="0"/>
               <a:pPr/>
-              <a:t>6/23/16</a:t>
+              <a:t>7/13/16</a:t>
             </a:fld>
             <a:endParaRPr lang="en-US"/>
           </a:p>
@@ -542,19 +542,7 @@
             </a:pPr>
             <a:r>
               <a:rPr lang="en-US" b="0" baseline="0" dirty="0" smtClean="0"/>
-              <a:t>The Module 4 </a:t>
-            </a:r>
-            <a:r>
-              <a:rPr lang="en-US" b="0" baseline="0" smtClean="0"/>
-              <a:t>Lesson </a:t>
-            </a:r>
-            <a:r>
-              <a:rPr lang="en-US" b="0" baseline="0" smtClean="0"/>
-              <a:t>9 </a:t>
-            </a:r>
-            <a:r>
-              <a:rPr lang="en-US" b="0" baseline="0" dirty="0" smtClean="0"/>
-              <a:t>Lab should be completed at this time:</a:t>
+              <a:t>The Module 4 Lesson 9 Lab should be completed at this time:</a:t>
             </a:r>
           </a:p>
           <a:p>
@@ -587,9 +575,10 @@
               <a:t>computerscience</a:t>
             </a:r>
             <a:r>
-              <a:rPr lang="en-US" b="0" baseline="0" dirty="0" smtClean="0"/>
-              <a:t>/tree/master/Instructor-Led/Module4/Labs/</a:t>
-            </a:r>
+              <a:rPr lang="en-US" b="0" baseline="0" smtClean="0"/>
+              <a:t>/tree/master/Complimentary%20Course%20Content/Module4/Labs</a:t>
+            </a:r>
+            <a:endParaRPr lang="en-US" b="0" baseline="0" dirty="0" smtClean="0"/>
           </a:p>
         </p:txBody>
       </p:sp>
@@ -2750,7 +2739,7 @@
             <a:fld id="{0459C166-16D3-4A25-A2F8-C51E0E346B22}" type="datetimeFigureOut">
               <a:rPr lang="en-US" smtClean="0"/>
               <a:pPr/>
-              <a:t>6/23/16</a:t>
+              <a:t>7/13/16</a:t>
             </a:fld>
             <a:endParaRPr lang="en-US"/>
           </a:p>
@@ -3116,7 +3105,7 @@
             <a:fld id="{0459C166-16D3-4A25-A2F8-C51E0E346B22}" type="datetimeFigureOut">
               <a:rPr lang="en-US" smtClean="0"/>
               <a:pPr/>
-              <a:t>6/23/16</a:t>
+              <a:t>7/13/16</a:t>
             </a:fld>
             <a:endParaRPr lang="en-US"/>
           </a:p>
@@ -3235,7 +3224,7 @@
             <a:fld id="{0459C166-16D3-4A25-A2F8-C51E0E346B22}" type="datetimeFigureOut">
               <a:rPr lang="en-US" smtClean="0"/>
               <a:pPr/>
-              <a:t>6/23/16</a:t>
+              <a:t>7/13/16</a:t>
             </a:fld>
             <a:endParaRPr lang="en-US"/>
           </a:p>
@@ -3332,7 +3321,7 @@
             <a:fld id="{0459C166-16D3-4A25-A2F8-C51E0E346B22}" type="datetimeFigureOut">
               <a:rPr lang="en-US" smtClean="0"/>
               <a:pPr/>
-              <a:t>6/23/16</a:t>
+              <a:t>7/13/16</a:t>
             </a:fld>
             <a:endParaRPr lang="en-US"/>
           </a:p>
@@ -3609,7 +3598,7 @@
             <a:fld id="{0459C166-16D3-4A25-A2F8-C51E0E346B22}" type="datetimeFigureOut">
               <a:rPr lang="en-US" smtClean="0"/>
               <a:pPr/>
-              <a:t>6/23/16</a:t>
+              <a:t>7/13/16</a:t>
             </a:fld>
             <a:endParaRPr lang="en-US"/>
           </a:p>
@@ -3863,7 +3852,7 @@
             <a:fld id="{0459C166-16D3-4A25-A2F8-C51E0E346B22}" type="datetimeFigureOut">
               <a:rPr lang="en-US" smtClean="0"/>
               <a:pPr/>
-              <a:t>6/23/16</a:t>
+              <a:t>7/13/16</a:t>
             </a:fld>
             <a:endParaRPr lang="en-US"/>
           </a:p>
@@ -4033,7 +4022,7 @@
             <a:fld id="{0459C166-16D3-4A25-A2F8-C51E0E346B22}" type="datetimeFigureOut">
               <a:rPr lang="en-US" smtClean="0"/>
               <a:pPr/>
-              <a:t>6/23/16</a:t>
+              <a:t>7/13/16</a:t>
             </a:fld>
             <a:endParaRPr lang="en-US"/>
           </a:p>
@@ -4213,7 +4202,7 @@
             <a:fld id="{0459C166-16D3-4A25-A2F8-C51E0E346B22}" type="datetimeFigureOut">
               <a:rPr lang="en-US" smtClean="0"/>
               <a:pPr/>
-              <a:t>6/23/16</a:t>
+              <a:t>7/13/16</a:t>
             </a:fld>
             <a:endParaRPr lang="en-US"/>
           </a:p>
@@ -4428,7 +4417,7 @@
                 <a:latin typeface="Segoe UI"/>
               </a:rPr>
               <a:pPr/>
-              <a:t>6/23/16</a:t>
+              <a:t>7/13/16</a:t>
             </a:fld>
             <a:endParaRPr lang="en-US">
               <a:solidFill>
@@ -4633,7 +4622,7 @@
                 <a:latin typeface="Segoe UI"/>
               </a:rPr>
               <a:pPr/>
-              <a:t>6/23/16</a:t>
+              <a:t>7/13/16</a:t>
             </a:fld>
             <a:endParaRPr lang="en-US">
               <a:solidFill>
@@ -4931,7 +4920,7 @@
                 <a:latin typeface="Segoe UI"/>
               </a:rPr>
               <a:pPr/>
-              <a:t>6/23/16</a:t>
+              <a:t>7/13/16</a:t>
             </a:fld>
             <a:endParaRPr lang="en-US">
               <a:solidFill>
@@ -5137,7 +5126,7 @@
             <a:fld id="{0459C166-16D3-4A25-A2F8-C51E0E346B22}" type="datetimeFigureOut">
               <a:rPr lang="en-US" smtClean="0"/>
               <a:pPr/>
-              <a:t>6/23/16</a:t>
+              <a:t>7/13/16</a:t>
             </a:fld>
             <a:endParaRPr lang="en-US"/>
           </a:p>
@@ -5445,7 +5434,7 @@
                 <a:latin typeface="Segoe UI"/>
               </a:rPr>
               <a:pPr/>
-              <a:t>6/23/16</a:t>
+              <a:t>7/13/16</a:t>
             </a:fld>
             <a:endParaRPr lang="en-US">
               <a:solidFill>
@@ -5820,7 +5809,7 @@
                 <a:latin typeface="Segoe UI"/>
               </a:rPr>
               <a:pPr/>
-              <a:t>6/23/16</a:t>
+              <a:t>7/13/16</a:t>
             </a:fld>
             <a:endParaRPr lang="en-US">
               <a:solidFill>
@@ -6764,7 +6753,7 @@
                 <a:latin typeface="Segoe UI"/>
               </a:rPr>
               <a:pPr/>
-              <a:t>6/23/16</a:t>
+              <a:t>7/13/16</a:t>
             </a:fld>
             <a:endParaRPr lang="en-US">
               <a:solidFill>
@@ -7165,7 +7154,7 @@
                 <a:latin typeface="Segoe UI"/>
               </a:rPr>
               <a:pPr/>
-              <a:t>6/23/16</a:t>
+              <a:t>7/13/16</a:t>
             </a:fld>
             <a:endParaRPr lang="en-US">
               <a:solidFill>
@@ -7319,7 +7308,7 @@
                 <a:latin typeface="Segoe UI"/>
               </a:rPr>
               <a:pPr/>
-              <a:t>6/23/16</a:t>
+              <a:t>7/13/16</a:t>
             </a:fld>
             <a:endParaRPr lang="en-US">
               <a:solidFill>
@@ -7451,7 +7440,7 @@
                 <a:latin typeface="Segoe UI"/>
               </a:rPr>
               <a:pPr/>
-              <a:t>6/23/16</a:t>
+              <a:t>7/13/16</a:t>
             </a:fld>
             <a:endParaRPr lang="en-US">
               <a:solidFill>
@@ -7763,7 +7752,7 @@
                 <a:latin typeface="Segoe UI"/>
               </a:rPr>
               <a:pPr/>
-              <a:t>6/23/16</a:t>
+              <a:t>7/13/16</a:t>
             </a:fld>
             <a:endParaRPr lang="en-US">
               <a:solidFill>
@@ -8056,7 +8045,7 @@
             <a:fld id="{0459C166-16D3-4A25-A2F8-C51E0E346B22}" type="datetimeFigureOut">
               <a:rPr lang="en-US" smtClean="0"/>
               <a:pPr/>
-              <a:t>6/23/16</a:t>
+              <a:t>7/13/16</a:t>
             </a:fld>
             <a:endParaRPr lang="en-US"/>
           </a:p>
@@ -8333,7 +8322,7 @@
                 <a:latin typeface="Segoe UI"/>
               </a:rPr>
               <a:pPr/>
-              <a:t>6/23/16</a:t>
+              <a:t>7/13/16</a:t>
             </a:fld>
             <a:endParaRPr lang="en-US">
               <a:solidFill>
@@ -8538,7 +8527,7 @@
                 <a:latin typeface="Segoe UI"/>
               </a:rPr>
               <a:pPr/>
-              <a:t>6/23/16</a:t>
+              <a:t>7/13/16</a:t>
             </a:fld>
             <a:endParaRPr lang="en-US">
               <a:solidFill>
@@ -8753,7 +8742,7 @@
                 <a:latin typeface="Segoe UI"/>
               </a:rPr>
               <a:pPr/>
-              <a:t>6/23/16</a:t>
+              <a:t>7/13/16</a:t>
             </a:fld>
             <a:endParaRPr lang="en-US">
               <a:solidFill>
@@ -8998,7 +8987,7 @@
                 <a:latin typeface="Segoe UI"/>
               </a:rPr>
               <a:pPr/>
-              <a:t>6/23/16</a:t>
+              <a:t>7/13/16</a:t>
             </a:fld>
             <a:endParaRPr lang="en-US">
               <a:solidFill>
@@ -9203,7 +9192,7 @@
                 <a:latin typeface="Segoe UI"/>
               </a:rPr>
               <a:pPr/>
-              <a:t>6/23/16</a:t>
+              <a:t>7/13/16</a:t>
             </a:fld>
             <a:endParaRPr lang="en-US">
               <a:solidFill>
@@ -9501,7 +9490,7 @@
                 <a:latin typeface="Segoe UI"/>
               </a:rPr>
               <a:pPr/>
-              <a:t>6/23/16</a:t>
+              <a:t>7/13/16</a:t>
             </a:fld>
             <a:endParaRPr lang="en-US">
               <a:solidFill>
@@ -9845,7 +9834,7 @@
                 <a:latin typeface="Segoe UI"/>
               </a:rPr>
               <a:pPr/>
-              <a:t>6/23/16</a:t>
+              <a:t>7/13/16</a:t>
             </a:fld>
             <a:endParaRPr lang="en-US">
               <a:solidFill>
@@ -10220,7 +10209,7 @@
                 <a:latin typeface="Segoe UI"/>
               </a:rPr>
               <a:pPr/>
-              <a:t>6/23/16</a:t>
+              <a:t>7/13/16</a:t>
             </a:fld>
             <a:endParaRPr lang="en-US">
               <a:solidFill>
@@ -11346,7 +11335,7 @@
                 <a:latin typeface="Segoe UI"/>
               </a:rPr>
               <a:pPr/>
-              <a:t>6/23/16</a:t>
+              <a:t>7/13/16</a:t>
             </a:fld>
             <a:endParaRPr lang="en-US">
               <a:solidFill>
@@ -11747,7 +11736,7 @@
                 <a:latin typeface="Segoe UI"/>
               </a:rPr>
               <a:pPr/>
-              <a:t>6/23/16</a:t>
+              <a:t>7/13/16</a:t>
             </a:fld>
             <a:endParaRPr lang="en-US">
               <a:solidFill>
@@ -11901,7 +11890,7 @@
                 <a:latin typeface="Segoe UI"/>
               </a:rPr>
               <a:pPr/>
-              <a:t>6/23/16</a:t>
+              <a:t>7/13/16</a:t>
             </a:fld>
             <a:endParaRPr lang="en-US">
               <a:solidFill>
@@ -12033,7 +12022,7 @@
                 <a:latin typeface="Segoe UI"/>
               </a:rPr>
               <a:pPr/>
-              <a:t>6/23/16</a:t>
+              <a:t>7/13/16</a:t>
             </a:fld>
             <a:endParaRPr lang="en-US">
               <a:solidFill>
@@ -12345,7 +12334,7 @@
                 <a:latin typeface="Segoe UI"/>
               </a:rPr>
               <a:pPr/>
-              <a:t>6/23/16</a:t>
+              <a:t>7/13/16</a:t>
             </a:fld>
             <a:endParaRPr lang="en-US">
               <a:solidFill>
@@ -12634,7 +12623,7 @@
                 <a:latin typeface="Segoe UI"/>
               </a:rPr>
               <a:pPr/>
-              <a:t>6/23/16</a:t>
+              <a:t>7/13/16</a:t>
             </a:fld>
             <a:endParaRPr lang="en-US">
               <a:solidFill>
@@ -12839,7 +12828,7 @@
                 <a:latin typeface="Segoe UI"/>
               </a:rPr>
               <a:pPr/>
-              <a:t>6/23/16</a:t>
+              <a:t>7/13/16</a:t>
             </a:fld>
             <a:endParaRPr lang="en-US">
               <a:solidFill>
@@ -13054,7 +13043,7 @@
                 <a:latin typeface="Segoe UI"/>
               </a:rPr>
               <a:pPr/>
-              <a:t>6/23/16</a:t>
+              <a:t>7/13/16</a:t>
             </a:fld>
             <a:endParaRPr lang="en-US">
               <a:solidFill>
@@ -13396,7 +13385,7 @@
             <a:fld id="{0459C166-16D3-4A25-A2F8-C51E0E346B22}" type="datetimeFigureOut">
               <a:rPr lang="en-US" smtClean="0"/>
               <a:pPr/>
-              <a:t>6/23/16</a:t>
+              <a:t>7/13/16</a:t>
             </a:fld>
             <a:endParaRPr lang="en-US"/>
           </a:p>
@@ -17341,7 +17330,7 @@
             <a:fld id="{0459C166-16D3-4A25-A2F8-C51E0E346B22}" type="datetimeFigureOut">
               <a:rPr lang="en-US" smtClean="0"/>
               <a:pPr/>
-              <a:t>6/23/16</a:t>
+              <a:t>7/13/16</a:t>
             </a:fld>
             <a:endParaRPr lang="en-US"/>
           </a:p>
@@ -24329,7 +24318,7 @@
                 <a:latin typeface="Segoe UI"/>
               </a:rPr>
               <a:pPr/>
-              <a:t>6/23/16</a:t>
+              <a:t>7/13/16</a:t>
             </a:fld>
             <a:endParaRPr lang="en-US">
               <a:solidFill>
@@ -25038,7 +25027,7 @@
             <a:fld id="{0459C166-16D3-4A25-A2F8-C51E0E346B22}" type="datetimeFigureOut">
               <a:rPr lang="en-US" smtClean="0"/>
               <a:pPr/>
-              <a:t>6/23/16</a:t>
+              <a:t>7/13/16</a:t>
             </a:fld>
             <a:endParaRPr lang="en-US"/>
           </a:p>
@@ -25251,7 +25240,7 @@
             <a:fld id="{0459C166-16D3-4A25-A2F8-C51E0E346B22}" type="datetimeFigureOut">
               <a:rPr lang="en-US" smtClean="0"/>
               <a:pPr/>
-              <a:t>6/23/16</a:t>
+              <a:t>7/13/16</a:t>
             </a:fld>
             <a:endParaRPr lang="en-US"/>
           </a:p>
@@ -25803,7 +25792,7 @@
                 <a:latin typeface="Segoe UI"/>
               </a:rPr>
               <a:pPr/>
-              <a:t>6/23/16</a:t>
+              <a:t>7/13/16</a:t>
             </a:fld>
             <a:endParaRPr lang="en-US">
               <a:solidFill>
@@ -26383,7 +26372,7 @@
                 <a:latin typeface="Segoe UI"/>
               </a:rPr>
               <a:pPr/>
-              <a:t>6/23/16</a:t>
+              <a:t>7/13/16</a:t>
             </a:fld>
             <a:endParaRPr lang="en-US">
               <a:solidFill>
@@ -27648,21 +27637,21 @@
                 <a:gridCol w="938778">
                   <a:extLst>
                     <a:ext uri="{9D8B030D-6E8A-4147-A177-3AD203B41FA5}">
-                      <a16:colId xmlns="" xmlns:a16="http://schemas.microsoft.com/office/drawing/2014/main" val="48614039"/>
+                      <a16:colId xmlns:a16="http://schemas.microsoft.com/office/drawing/2014/main" xmlns="" val="48614039"/>
                     </a:ext>
                   </a:extLst>
                 </a:gridCol>
                 <a:gridCol w="1232915">
                   <a:extLst>
                     <a:ext uri="{9D8B030D-6E8A-4147-A177-3AD203B41FA5}">
-                      <a16:colId xmlns="" xmlns:a16="http://schemas.microsoft.com/office/drawing/2014/main" val="1124546490"/>
+                      <a16:colId xmlns:a16="http://schemas.microsoft.com/office/drawing/2014/main" xmlns="" val="1124546490"/>
                     </a:ext>
                   </a:extLst>
                 </a:gridCol>
                 <a:gridCol w="1517360">
                   <a:extLst>
                     <a:ext uri="{9D8B030D-6E8A-4147-A177-3AD203B41FA5}">
-                      <a16:colId xmlns="" xmlns:a16="http://schemas.microsoft.com/office/drawing/2014/main" val="2986980724"/>
+                      <a16:colId xmlns:a16="http://schemas.microsoft.com/office/drawing/2014/main" xmlns="" val="2986980724"/>
                     </a:ext>
                   </a:extLst>
                 </a:gridCol>
@@ -27741,7 +27730,7 @@
                 </a:tc>
                 <a:extLst>
                   <a:ext uri="{0D108BD9-81ED-4DB2-BD59-A6C34878D82A}">
-                    <a16:rowId xmlns="" xmlns:a16="http://schemas.microsoft.com/office/drawing/2014/main" val="2034482246"/>
+                    <a16:rowId xmlns:a16="http://schemas.microsoft.com/office/drawing/2014/main" xmlns="" val="2034482246"/>
                   </a:ext>
                 </a:extLst>
               </a:tr>
@@ -27808,7 +27797,7 @@
                 </a:tc>
                 <a:extLst>
                   <a:ext uri="{0D108BD9-81ED-4DB2-BD59-A6C34878D82A}">
-                    <a16:rowId xmlns="" xmlns:a16="http://schemas.microsoft.com/office/drawing/2014/main" val="682465758"/>
+                    <a16:rowId xmlns:a16="http://schemas.microsoft.com/office/drawing/2014/main" xmlns="" val="682465758"/>
                   </a:ext>
                 </a:extLst>
               </a:tr>
@@ -27875,7 +27864,7 @@
                 </a:tc>
                 <a:extLst>
                   <a:ext uri="{0D108BD9-81ED-4DB2-BD59-A6C34878D82A}">
-                    <a16:rowId xmlns="" xmlns:a16="http://schemas.microsoft.com/office/drawing/2014/main" val="4230228483"/>
+                    <a16:rowId xmlns:a16="http://schemas.microsoft.com/office/drawing/2014/main" xmlns="" val="4230228483"/>
                   </a:ext>
                 </a:extLst>
               </a:tr>
@@ -27942,7 +27931,7 @@
                 </a:tc>
                 <a:extLst>
                   <a:ext uri="{0D108BD9-81ED-4DB2-BD59-A6C34878D82A}">
-                    <a16:rowId xmlns="" xmlns:a16="http://schemas.microsoft.com/office/drawing/2014/main" val="3329658239"/>
+                    <a16:rowId xmlns:a16="http://schemas.microsoft.com/office/drawing/2014/main" xmlns="" val="3329658239"/>
                   </a:ext>
                 </a:extLst>
               </a:tr>
@@ -27978,21 +27967,21 @@
                 <a:gridCol w="938778">
                   <a:extLst>
                     <a:ext uri="{9D8B030D-6E8A-4147-A177-3AD203B41FA5}">
-                      <a16:colId xmlns="" xmlns:a16="http://schemas.microsoft.com/office/drawing/2014/main" val="48614039"/>
+                      <a16:colId xmlns:a16="http://schemas.microsoft.com/office/drawing/2014/main" xmlns="" val="48614039"/>
                     </a:ext>
                   </a:extLst>
                 </a:gridCol>
                 <a:gridCol w="1232915">
                   <a:extLst>
                     <a:ext uri="{9D8B030D-6E8A-4147-A177-3AD203B41FA5}">
-                      <a16:colId xmlns="" xmlns:a16="http://schemas.microsoft.com/office/drawing/2014/main" val="1124546490"/>
+                      <a16:colId xmlns:a16="http://schemas.microsoft.com/office/drawing/2014/main" xmlns="" val="1124546490"/>
                     </a:ext>
                   </a:extLst>
                 </a:gridCol>
                 <a:gridCol w="1517360">
                   <a:extLst>
                     <a:ext uri="{9D8B030D-6E8A-4147-A177-3AD203B41FA5}">
-                      <a16:colId xmlns="" xmlns:a16="http://schemas.microsoft.com/office/drawing/2014/main" val="2986980724"/>
+                      <a16:colId xmlns:a16="http://schemas.microsoft.com/office/drawing/2014/main" xmlns="" val="2986980724"/>
                     </a:ext>
                   </a:extLst>
                 </a:gridCol>
@@ -28076,7 +28065,7 @@
                 </a:tc>
                 <a:extLst>
                   <a:ext uri="{0D108BD9-81ED-4DB2-BD59-A6C34878D82A}">
-                    <a16:rowId xmlns="" xmlns:a16="http://schemas.microsoft.com/office/drawing/2014/main" val="2034482246"/>
+                    <a16:rowId xmlns:a16="http://schemas.microsoft.com/office/drawing/2014/main" xmlns="" val="2034482246"/>
                   </a:ext>
                 </a:extLst>
               </a:tr>
@@ -28143,7 +28132,7 @@
                 </a:tc>
                 <a:extLst>
                   <a:ext uri="{0D108BD9-81ED-4DB2-BD59-A6C34878D82A}">
-                    <a16:rowId xmlns="" xmlns:a16="http://schemas.microsoft.com/office/drawing/2014/main" val="682465758"/>
+                    <a16:rowId xmlns:a16="http://schemas.microsoft.com/office/drawing/2014/main" xmlns="" val="682465758"/>
                   </a:ext>
                 </a:extLst>
               </a:tr>
@@ -28210,7 +28199,7 @@
                 </a:tc>
                 <a:extLst>
                   <a:ext uri="{0D108BD9-81ED-4DB2-BD59-A6C34878D82A}">
-                    <a16:rowId xmlns="" xmlns:a16="http://schemas.microsoft.com/office/drawing/2014/main" val="4230228483"/>
+                    <a16:rowId xmlns:a16="http://schemas.microsoft.com/office/drawing/2014/main" xmlns="" val="4230228483"/>
                   </a:ext>
                 </a:extLst>
               </a:tr>
@@ -28277,7 +28266,7 @@
                 </a:tc>
                 <a:extLst>
                   <a:ext uri="{0D108BD9-81ED-4DB2-BD59-A6C34878D82A}">
-                    <a16:rowId xmlns="" xmlns:a16="http://schemas.microsoft.com/office/drawing/2014/main" val="3329658239"/>
+                    <a16:rowId xmlns:a16="http://schemas.microsoft.com/office/drawing/2014/main" xmlns="" val="3329658239"/>
                   </a:ext>
                 </a:extLst>
               </a:tr>
@@ -28313,35 +28302,35 @@
                 <a:gridCol w="1451401">
                   <a:extLst>
                     <a:ext uri="{9D8B030D-6E8A-4147-A177-3AD203B41FA5}">
-                      <a16:colId xmlns="" xmlns:a16="http://schemas.microsoft.com/office/drawing/2014/main" val="48614039"/>
+                      <a16:colId xmlns:a16="http://schemas.microsoft.com/office/drawing/2014/main" xmlns="" val="48614039"/>
                     </a:ext>
                   </a:extLst>
                 </a:gridCol>
                 <a:gridCol w="1557810">
                   <a:extLst>
                     <a:ext uri="{9D8B030D-6E8A-4147-A177-3AD203B41FA5}">
-                      <a16:colId xmlns="" xmlns:a16="http://schemas.microsoft.com/office/drawing/2014/main" val="1124546490"/>
+                      <a16:colId xmlns:a16="http://schemas.microsoft.com/office/drawing/2014/main" xmlns="" val="1124546490"/>
                     </a:ext>
                   </a:extLst>
                 </a:gridCol>
                 <a:gridCol w="1545183">
                   <a:extLst>
                     <a:ext uri="{9D8B030D-6E8A-4147-A177-3AD203B41FA5}">
-                      <a16:colId xmlns="" xmlns:a16="http://schemas.microsoft.com/office/drawing/2014/main" val="2986980724"/>
+                      <a16:colId xmlns:a16="http://schemas.microsoft.com/office/drawing/2014/main" xmlns="" val="2986980724"/>
                     </a:ext>
                   </a:extLst>
                 </a:gridCol>
                 <a:gridCol w="1172000">
                   <a:extLst>
                     <a:ext uri="{9D8B030D-6E8A-4147-A177-3AD203B41FA5}">
-                      <a16:colId xmlns="" xmlns:a16="http://schemas.microsoft.com/office/drawing/2014/main" val="4021855989"/>
+                      <a16:colId xmlns:a16="http://schemas.microsoft.com/office/drawing/2014/main" xmlns="" val="4021855989"/>
                     </a:ext>
                   </a:extLst>
                 </a:gridCol>
                 <a:gridCol w="1270861">
                   <a:extLst>
                     <a:ext uri="{9D8B030D-6E8A-4147-A177-3AD203B41FA5}">
-                      <a16:colId xmlns="" xmlns:a16="http://schemas.microsoft.com/office/drawing/2014/main" val="783811088"/>
+                      <a16:colId xmlns:a16="http://schemas.microsoft.com/office/drawing/2014/main" xmlns="" val="783811088"/>
                     </a:ext>
                   </a:extLst>
                 </a:gridCol>
@@ -28485,7 +28474,7 @@
                 </a:tc>
                 <a:extLst>
                   <a:ext uri="{0D108BD9-81ED-4DB2-BD59-A6C34878D82A}">
-                    <a16:rowId xmlns="" xmlns:a16="http://schemas.microsoft.com/office/drawing/2014/main" val="2034482246"/>
+                    <a16:rowId xmlns:a16="http://schemas.microsoft.com/office/drawing/2014/main" xmlns="" val="2034482246"/>
                   </a:ext>
                 </a:extLst>
               </a:tr>
@@ -28592,7 +28581,7 @@
                 </a:tc>
                 <a:extLst>
                   <a:ext uri="{0D108BD9-81ED-4DB2-BD59-A6C34878D82A}">
-                    <a16:rowId xmlns="" xmlns:a16="http://schemas.microsoft.com/office/drawing/2014/main" val="682465758"/>
+                    <a16:rowId xmlns:a16="http://schemas.microsoft.com/office/drawing/2014/main" xmlns="" val="682465758"/>
                   </a:ext>
                 </a:extLst>
               </a:tr>
@@ -28699,7 +28688,7 @@
                 </a:tc>
                 <a:extLst>
                   <a:ext uri="{0D108BD9-81ED-4DB2-BD59-A6C34878D82A}">
-                    <a16:rowId xmlns="" xmlns:a16="http://schemas.microsoft.com/office/drawing/2014/main" val="4230228483"/>
+                    <a16:rowId xmlns:a16="http://schemas.microsoft.com/office/drawing/2014/main" xmlns="" val="4230228483"/>
                   </a:ext>
                 </a:extLst>
               </a:tr>
@@ -29124,21 +29113,21 @@
                 <a:gridCol w="938778">
                   <a:extLst>
                     <a:ext uri="{9D8B030D-6E8A-4147-A177-3AD203B41FA5}">
-                      <a16:colId xmlns="" xmlns:a16="http://schemas.microsoft.com/office/drawing/2014/main" val="48614039"/>
+                      <a16:colId xmlns:a16="http://schemas.microsoft.com/office/drawing/2014/main" xmlns="" val="48614039"/>
                     </a:ext>
                   </a:extLst>
                 </a:gridCol>
                 <a:gridCol w="1232915">
                   <a:extLst>
                     <a:ext uri="{9D8B030D-6E8A-4147-A177-3AD203B41FA5}">
-                      <a16:colId xmlns="" xmlns:a16="http://schemas.microsoft.com/office/drawing/2014/main" val="1124546490"/>
+                      <a16:colId xmlns:a16="http://schemas.microsoft.com/office/drawing/2014/main" xmlns="" val="1124546490"/>
                     </a:ext>
                   </a:extLst>
                 </a:gridCol>
                 <a:gridCol w="1517360">
                   <a:extLst>
                     <a:ext uri="{9D8B030D-6E8A-4147-A177-3AD203B41FA5}">
-                      <a16:colId xmlns="" xmlns:a16="http://schemas.microsoft.com/office/drawing/2014/main" val="2986980724"/>
+                      <a16:colId xmlns:a16="http://schemas.microsoft.com/office/drawing/2014/main" xmlns="" val="2986980724"/>
                     </a:ext>
                   </a:extLst>
                 </a:gridCol>
@@ -29217,7 +29206,7 @@
                 </a:tc>
                 <a:extLst>
                   <a:ext uri="{0D108BD9-81ED-4DB2-BD59-A6C34878D82A}">
-                    <a16:rowId xmlns="" xmlns:a16="http://schemas.microsoft.com/office/drawing/2014/main" val="2034482246"/>
+                    <a16:rowId xmlns:a16="http://schemas.microsoft.com/office/drawing/2014/main" xmlns="" val="2034482246"/>
                   </a:ext>
                 </a:extLst>
               </a:tr>
@@ -29284,7 +29273,7 @@
                 </a:tc>
                 <a:extLst>
                   <a:ext uri="{0D108BD9-81ED-4DB2-BD59-A6C34878D82A}">
-                    <a16:rowId xmlns="" xmlns:a16="http://schemas.microsoft.com/office/drawing/2014/main" val="682465758"/>
+                    <a16:rowId xmlns:a16="http://schemas.microsoft.com/office/drawing/2014/main" xmlns="" val="682465758"/>
                   </a:ext>
                 </a:extLst>
               </a:tr>
@@ -29351,7 +29340,7 @@
                 </a:tc>
                 <a:extLst>
                   <a:ext uri="{0D108BD9-81ED-4DB2-BD59-A6C34878D82A}">
-                    <a16:rowId xmlns="" xmlns:a16="http://schemas.microsoft.com/office/drawing/2014/main" val="4230228483"/>
+                    <a16:rowId xmlns:a16="http://schemas.microsoft.com/office/drawing/2014/main" xmlns="" val="4230228483"/>
                   </a:ext>
                 </a:extLst>
               </a:tr>
@@ -29418,7 +29407,7 @@
                 </a:tc>
                 <a:extLst>
                   <a:ext uri="{0D108BD9-81ED-4DB2-BD59-A6C34878D82A}">
-                    <a16:rowId xmlns="" xmlns:a16="http://schemas.microsoft.com/office/drawing/2014/main" val="3329658239"/>
+                    <a16:rowId xmlns:a16="http://schemas.microsoft.com/office/drawing/2014/main" xmlns="" val="3329658239"/>
                   </a:ext>
                 </a:extLst>
               </a:tr>
@@ -29454,21 +29443,21 @@
                 <a:gridCol w="938778">
                   <a:extLst>
                     <a:ext uri="{9D8B030D-6E8A-4147-A177-3AD203B41FA5}">
-                      <a16:colId xmlns="" xmlns:a16="http://schemas.microsoft.com/office/drawing/2014/main" val="48614039"/>
+                      <a16:colId xmlns:a16="http://schemas.microsoft.com/office/drawing/2014/main" xmlns="" val="48614039"/>
                     </a:ext>
                   </a:extLst>
                 </a:gridCol>
                 <a:gridCol w="1232915">
                   <a:extLst>
                     <a:ext uri="{9D8B030D-6E8A-4147-A177-3AD203B41FA5}">
-                      <a16:colId xmlns="" xmlns:a16="http://schemas.microsoft.com/office/drawing/2014/main" val="1124546490"/>
+                      <a16:colId xmlns:a16="http://schemas.microsoft.com/office/drawing/2014/main" xmlns="" val="1124546490"/>
                     </a:ext>
                   </a:extLst>
                 </a:gridCol>
                 <a:gridCol w="1517360">
                   <a:extLst>
                     <a:ext uri="{9D8B030D-6E8A-4147-A177-3AD203B41FA5}">
-                      <a16:colId xmlns="" xmlns:a16="http://schemas.microsoft.com/office/drawing/2014/main" val="2986980724"/>
+                      <a16:colId xmlns:a16="http://schemas.microsoft.com/office/drawing/2014/main" xmlns="" val="2986980724"/>
                     </a:ext>
                   </a:extLst>
                 </a:gridCol>
@@ -29560,7 +29549,7 @@
                 </a:tc>
                 <a:extLst>
                   <a:ext uri="{0D108BD9-81ED-4DB2-BD59-A6C34878D82A}">
-                    <a16:rowId xmlns="" xmlns:a16="http://schemas.microsoft.com/office/drawing/2014/main" val="2034482246"/>
+                    <a16:rowId xmlns:a16="http://schemas.microsoft.com/office/drawing/2014/main" xmlns="" val="2034482246"/>
                   </a:ext>
                 </a:extLst>
               </a:tr>
@@ -29627,7 +29616,7 @@
                 </a:tc>
                 <a:extLst>
                   <a:ext uri="{0D108BD9-81ED-4DB2-BD59-A6C34878D82A}">
-                    <a16:rowId xmlns="" xmlns:a16="http://schemas.microsoft.com/office/drawing/2014/main" val="682465758"/>
+                    <a16:rowId xmlns:a16="http://schemas.microsoft.com/office/drawing/2014/main" xmlns="" val="682465758"/>
                   </a:ext>
                 </a:extLst>
               </a:tr>
@@ -29694,7 +29683,7 @@
                 </a:tc>
                 <a:extLst>
                   <a:ext uri="{0D108BD9-81ED-4DB2-BD59-A6C34878D82A}">
-                    <a16:rowId xmlns="" xmlns:a16="http://schemas.microsoft.com/office/drawing/2014/main" val="4230228483"/>
+                    <a16:rowId xmlns:a16="http://schemas.microsoft.com/office/drawing/2014/main" xmlns="" val="4230228483"/>
                   </a:ext>
                 </a:extLst>
               </a:tr>
@@ -29761,7 +29750,7 @@
                 </a:tc>
                 <a:extLst>
                   <a:ext uri="{0D108BD9-81ED-4DB2-BD59-A6C34878D82A}">
-                    <a16:rowId xmlns="" xmlns:a16="http://schemas.microsoft.com/office/drawing/2014/main" val="3329658239"/>
+                    <a16:rowId xmlns:a16="http://schemas.microsoft.com/office/drawing/2014/main" xmlns="" val="3329658239"/>
                   </a:ext>
                 </a:extLst>
               </a:tr>
@@ -29952,35 +29941,35 @@
                 <a:gridCol w="1399451">
                   <a:extLst>
                     <a:ext uri="{9D8B030D-6E8A-4147-A177-3AD203B41FA5}">
-                      <a16:colId xmlns="" xmlns:a16="http://schemas.microsoft.com/office/drawing/2014/main" val="2083747732"/>
+                      <a16:colId xmlns:a16="http://schemas.microsoft.com/office/drawing/2014/main" xmlns="" val="2083747732"/>
                     </a:ext>
                   </a:extLst>
                 </a:gridCol>
                 <a:gridCol w="1399451">
                   <a:extLst>
                     <a:ext uri="{9D8B030D-6E8A-4147-A177-3AD203B41FA5}">
-                      <a16:colId xmlns="" xmlns:a16="http://schemas.microsoft.com/office/drawing/2014/main" val="228114039"/>
+                      <a16:colId xmlns:a16="http://schemas.microsoft.com/office/drawing/2014/main" xmlns="" val="228114039"/>
                     </a:ext>
                   </a:extLst>
                 </a:gridCol>
                 <a:gridCol w="1399451">
                   <a:extLst>
                     <a:ext uri="{9D8B030D-6E8A-4147-A177-3AD203B41FA5}">
-                      <a16:colId xmlns="" xmlns:a16="http://schemas.microsoft.com/office/drawing/2014/main" val="1043883102"/>
+                      <a16:colId xmlns:a16="http://schemas.microsoft.com/office/drawing/2014/main" xmlns="" val="1043883102"/>
                     </a:ext>
                   </a:extLst>
                 </a:gridCol>
                 <a:gridCol w="1399451">
                   <a:extLst>
                     <a:ext uri="{9D8B030D-6E8A-4147-A177-3AD203B41FA5}">
-                      <a16:colId xmlns="" xmlns:a16="http://schemas.microsoft.com/office/drawing/2014/main" val="1273319025"/>
+                      <a16:colId xmlns:a16="http://schemas.microsoft.com/office/drawing/2014/main" xmlns="" val="1273319025"/>
                     </a:ext>
                   </a:extLst>
                 </a:gridCol>
                 <a:gridCol w="1399451">
                   <a:extLst>
                     <a:ext uri="{9D8B030D-6E8A-4147-A177-3AD203B41FA5}">
-                      <a16:colId xmlns="" xmlns:a16="http://schemas.microsoft.com/office/drawing/2014/main" val="2436660319"/>
+                      <a16:colId xmlns:a16="http://schemas.microsoft.com/office/drawing/2014/main" xmlns="" val="2436660319"/>
                     </a:ext>
                   </a:extLst>
                 </a:gridCol>
@@ -30124,7 +30113,7 @@
                 </a:tc>
                 <a:extLst>
                   <a:ext uri="{0D108BD9-81ED-4DB2-BD59-A6C34878D82A}">
-                    <a16:rowId xmlns="" xmlns:a16="http://schemas.microsoft.com/office/drawing/2014/main" val="3345227501"/>
+                    <a16:rowId xmlns:a16="http://schemas.microsoft.com/office/drawing/2014/main" xmlns="" val="3345227501"/>
                   </a:ext>
                 </a:extLst>
               </a:tr>
@@ -30221,7 +30210,7 @@
                 </a:tc>
                 <a:extLst>
                   <a:ext uri="{0D108BD9-81ED-4DB2-BD59-A6C34878D82A}">
-                    <a16:rowId xmlns="" xmlns:a16="http://schemas.microsoft.com/office/drawing/2014/main" val="555744451"/>
+                    <a16:rowId xmlns:a16="http://schemas.microsoft.com/office/drawing/2014/main" xmlns="" val="555744451"/>
                   </a:ext>
                 </a:extLst>
               </a:tr>
@@ -30318,7 +30307,7 @@
                 </a:tc>
                 <a:extLst>
                   <a:ext uri="{0D108BD9-81ED-4DB2-BD59-A6C34878D82A}">
-                    <a16:rowId xmlns="" xmlns:a16="http://schemas.microsoft.com/office/drawing/2014/main" val="3568244748"/>
+                    <a16:rowId xmlns:a16="http://schemas.microsoft.com/office/drawing/2014/main" xmlns="" val="3568244748"/>
                   </a:ext>
                 </a:extLst>
               </a:tr>
@@ -30416,7 +30405,7 @@
                 </a:tc>
                 <a:extLst>
                   <a:ext uri="{0D108BD9-81ED-4DB2-BD59-A6C34878D82A}">
-                    <a16:rowId xmlns="" xmlns:a16="http://schemas.microsoft.com/office/drawing/2014/main" val="1251180638"/>
+                    <a16:rowId xmlns:a16="http://schemas.microsoft.com/office/drawing/2014/main" xmlns="" val="1251180638"/>
                   </a:ext>
                 </a:extLst>
               </a:tr>
@@ -30642,21 +30631,21 @@
                 <a:gridCol w="938778">
                   <a:extLst>
                     <a:ext uri="{9D8B030D-6E8A-4147-A177-3AD203B41FA5}">
-                      <a16:colId xmlns="" xmlns:a16="http://schemas.microsoft.com/office/drawing/2014/main" val="48614039"/>
+                      <a16:colId xmlns:a16="http://schemas.microsoft.com/office/drawing/2014/main" xmlns="" val="48614039"/>
                     </a:ext>
                   </a:extLst>
                 </a:gridCol>
                 <a:gridCol w="1232915">
                   <a:extLst>
                     <a:ext uri="{9D8B030D-6E8A-4147-A177-3AD203B41FA5}">
-                      <a16:colId xmlns="" xmlns:a16="http://schemas.microsoft.com/office/drawing/2014/main" val="1124546490"/>
+                      <a16:colId xmlns:a16="http://schemas.microsoft.com/office/drawing/2014/main" xmlns="" val="1124546490"/>
                     </a:ext>
                   </a:extLst>
                 </a:gridCol>
                 <a:gridCol w="1517360">
                   <a:extLst>
                     <a:ext uri="{9D8B030D-6E8A-4147-A177-3AD203B41FA5}">
-                      <a16:colId xmlns="" xmlns:a16="http://schemas.microsoft.com/office/drawing/2014/main" val="2986980724"/>
+                      <a16:colId xmlns:a16="http://schemas.microsoft.com/office/drawing/2014/main" xmlns="" val="2986980724"/>
                     </a:ext>
                   </a:extLst>
                 </a:gridCol>
@@ -30735,7 +30724,7 @@
                 </a:tc>
                 <a:extLst>
                   <a:ext uri="{0D108BD9-81ED-4DB2-BD59-A6C34878D82A}">
-                    <a16:rowId xmlns="" xmlns:a16="http://schemas.microsoft.com/office/drawing/2014/main" val="2034482246"/>
+                    <a16:rowId xmlns:a16="http://schemas.microsoft.com/office/drawing/2014/main" xmlns="" val="2034482246"/>
                   </a:ext>
                 </a:extLst>
               </a:tr>
@@ -30802,7 +30791,7 @@
                 </a:tc>
                 <a:extLst>
                   <a:ext uri="{0D108BD9-81ED-4DB2-BD59-A6C34878D82A}">
-                    <a16:rowId xmlns="" xmlns:a16="http://schemas.microsoft.com/office/drawing/2014/main" val="682465758"/>
+                    <a16:rowId xmlns:a16="http://schemas.microsoft.com/office/drawing/2014/main" xmlns="" val="682465758"/>
                   </a:ext>
                 </a:extLst>
               </a:tr>
@@ -30869,7 +30858,7 @@
                 </a:tc>
                 <a:extLst>
                   <a:ext uri="{0D108BD9-81ED-4DB2-BD59-A6C34878D82A}">
-                    <a16:rowId xmlns="" xmlns:a16="http://schemas.microsoft.com/office/drawing/2014/main" val="4230228483"/>
+                    <a16:rowId xmlns:a16="http://schemas.microsoft.com/office/drawing/2014/main" xmlns="" val="4230228483"/>
                   </a:ext>
                 </a:extLst>
               </a:tr>
@@ -30936,7 +30925,7 @@
                 </a:tc>
                 <a:extLst>
                   <a:ext uri="{0D108BD9-81ED-4DB2-BD59-A6C34878D82A}">
-                    <a16:rowId xmlns="" xmlns:a16="http://schemas.microsoft.com/office/drawing/2014/main" val="3329658239"/>
+                    <a16:rowId xmlns:a16="http://schemas.microsoft.com/office/drawing/2014/main" xmlns="" val="3329658239"/>
                   </a:ext>
                 </a:extLst>
               </a:tr>
@@ -30972,21 +30961,21 @@
                 <a:gridCol w="938778">
                   <a:extLst>
                     <a:ext uri="{9D8B030D-6E8A-4147-A177-3AD203B41FA5}">
-                      <a16:colId xmlns="" xmlns:a16="http://schemas.microsoft.com/office/drawing/2014/main" val="48614039"/>
+                      <a16:colId xmlns:a16="http://schemas.microsoft.com/office/drawing/2014/main" xmlns="" val="48614039"/>
                     </a:ext>
                   </a:extLst>
                 </a:gridCol>
                 <a:gridCol w="1232915">
                   <a:extLst>
                     <a:ext uri="{9D8B030D-6E8A-4147-A177-3AD203B41FA5}">
-                      <a16:colId xmlns="" xmlns:a16="http://schemas.microsoft.com/office/drawing/2014/main" val="1124546490"/>
+                      <a16:colId xmlns:a16="http://schemas.microsoft.com/office/drawing/2014/main" xmlns="" val="1124546490"/>
                     </a:ext>
                   </a:extLst>
                 </a:gridCol>
                 <a:gridCol w="1517360">
                   <a:extLst>
                     <a:ext uri="{9D8B030D-6E8A-4147-A177-3AD203B41FA5}">
-                      <a16:colId xmlns="" xmlns:a16="http://schemas.microsoft.com/office/drawing/2014/main" val="2986980724"/>
+                      <a16:colId xmlns:a16="http://schemas.microsoft.com/office/drawing/2014/main" xmlns="" val="2986980724"/>
                     </a:ext>
                   </a:extLst>
                 </a:gridCol>
@@ -31078,7 +31067,7 @@
                 </a:tc>
                 <a:extLst>
                   <a:ext uri="{0D108BD9-81ED-4DB2-BD59-A6C34878D82A}">
-                    <a16:rowId xmlns="" xmlns:a16="http://schemas.microsoft.com/office/drawing/2014/main" val="2034482246"/>
+                    <a16:rowId xmlns:a16="http://schemas.microsoft.com/office/drawing/2014/main" xmlns="" val="2034482246"/>
                   </a:ext>
                 </a:extLst>
               </a:tr>
@@ -31145,7 +31134,7 @@
                 </a:tc>
                 <a:extLst>
                   <a:ext uri="{0D108BD9-81ED-4DB2-BD59-A6C34878D82A}">
-                    <a16:rowId xmlns="" xmlns:a16="http://schemas.microsoft.com/office/drawing/2014/main" val="682465758"/>
+                    <a16:rowId xmlns:a16="http://schemas.microsoft.com/office/drawing/2014/main" xmlns="" val="682465758"/>
                   </a:ext>
                 </a:extLst>
               </a:tr>
@@ -31212,7 +31201,7 @@
                 </a:tc>
                 <a:extLst>
                   <a:ext uri="{0D108BD9-81ED-4DB2-BD59-A6C34878D82A}">
-                    <a16:rowId xmlns="" xmlns:a16="http://schemas.microsoft.com/office/drawing/2014/main" val="4230228483"/>
+                    <a16:rowId xmlns:a16="http://schemas.microsoft.com/office/drawing/2014/main" xmlns="" val="4230228483"/>
                   </a:ext>
                 </a:extLst>
               </a:tr>
@@ -31279,7 +31268,7 @@
                 </a:tc>
                 <a:extLst>
                   <a:ext uri="{0D108BD9-81ED-4DB2-BD59-A6C34878D82A}">
-                    <a16:rowId xmlns="" xmlns:a16="http://schemas.microsoft.com/office/drawing/2014/main" val="3329658239"/>
+                    <a16:rowId xmlns:a16="http://schemas.microsoft.com/office/drawing/2014/main" xmlns="" val="3329658239"/>
                   </a:ext>
                 </a:extLst>
               </a:tr>
@@ -31470,35 +31459,35 @@
                 <a:gridCol w="1399451">
                   <a:extLst>
                     <a:ext uri="{9D8B030D-6E8A-4147-A177-3AD203B41FA5}">
-                      <a16:colId xmlns="" xmlns:a16="http://schemas.microsoft.com/office/drawing/2014/main" val="2083747732"/>
+                      <a16:colId xmlns:a16="http://schemas.microsoft.com/office/drawing/2014/main" xmlns="" val="2083747732"/>
                     </a:ext>
                   </a:extLst>
                 </a:gridCol>
                 <a:gridCol w="1399451">
                   <a:extLst>
                     <a:ext uri="{9D8B030D-6E8A-4147-A177-3AD203B41FA5}">
-                      <a16:colId xmlns="" xmlns:a16="http://schemas.microsoft.com/office/drawing/2014/main" val="228114039"/>
+                      <a16:colId xmlns:a16="http://schemas.microsoft.com/office/drawing/2014/main" xmlns="" val="228114039"/>
                     </a:ext>
                   </a:extLst>
                 </a:gridCol>
                 <a:gridCol w="1399451">
                   <a:extLst>
                     <a:ext uri="{9D8B030D-6E8A-4147-A177-3AD203B41FA5}">
-                      <a16:colId xmlns="" xmlns:a16="http://schemas.microsoft.com/office/drawing/2014/main" val="1043883102"/>
+                      <a16:colId xmlns:a16="http://schemas.microsoft.com/office/drawing/2014/main" xmlns="" val="1043883102"/>
                     </a:ext>
                   </a:extLst>
                 </a:gridCol>
                 <a:gridCol w="1399451">
                   <a:extLst>
                     <a:ext uri="{9D8B030D-6E8A-4147-A177-3AD203B41FA5}">
-                      <a16:colId xmlns="" xmlns:a16="http://schemas.microsoft.com/office/drawing/2014/main" val="1273319025"/>
+                      <a16:colId xmlns:a16="http://schemas.microsoft.com/office/drawing/2014/main" xmlns="" val="1273319025"/>
                     </a:ext>
                   </a:extLst>
                 </a:gridCol>
                 <a:gridCol w="1399451">
                   <a:extLst>
                     <a:ext uri="{9D8B030D-6E8A-4147-A177-3AD203B41FA5}">
-                      <a16:colId xmlns="" xmlns:a16="http://schemas.microsoft.com/office/drawing/2014/main" val="2436660319"/>
+                      <a16:colId xmlns:a16="http://schemas.microsoft.com/office/drawing/2014/main" xmlns="" val="2436660319"/>
                     </a:ext>
                   </a:extLst>
                 </a:gridCol>
@@ -31634,7 +31623,7 @@
                 </a:tc>
                 <a:extLst>
                   <a:ext uri="{0D108BD9-81ED-4DB2-BD59-A6C34878D82A}">
-                    <a16:rowId xmlns="" xmlns:a16="http://schemas.microsoft.com/office/drawing/2014/main" val="3345227501"/>
+                    <a16:rowId xmlns:a16="http://schemas.microsoft.com/office/drawing/2014/main" xmlns="" val="3345227501"/>
                   </a:ext>
                 </a:extLst>
               </a:tr>
@@ -31731,7 +31720,7 @@
                 </a:tc>
                 <a:extLst>
                   <a:ext uri="{0D108BD9-81ED-4DB2-BD59-A6C34878D82A}">
-                    <a16:rowId xmlns="" xmlns:a16="http://schemas.microsoft.com/office/drawing/2014/main" val="555744451"/>
+                    <a16:rowId xmlns:a16="http://schemas.microsoft.com/office/drawing/2014/main" xmlns="" val="555744451"/>
                   </a:ext>
                 </a:extLst>
               </a:tr>
@@ -31829,7 +31818,7 @@
                 </a:tc>
                 <a:extLst>
                   <a:ext uri="{0D108BD9-81ED-4DB2-BD59-A6C34878D82A}">
-                    <a16:rowId xmlns="" xmlns:a16="http://schemas.microsoft.com/office/drawing/2014/main" val="3568244748"/>
+                    <a16:rowId xmlns:a16="http://schemas.microsoft.com/office/drawing/2014/main" xmlns="" val="3568244748"/>
                   </a:ext>
                 </a:extLst>
               </a:tr>
@@ -31927,7 +31916,7 @@
                 </a:tc>
                 <a:extLst>
                   <a:ext uri="{0D108BD9-81ED-4DB2-BD59-A6C34878D82A}">
-                    <a16:rowId xmlns="" xmlns:a16="http://schemas.microsoft.com/office/drawing/2014/main" val="1251180638"/>
+                    <a16:rowId xmlns:a16="http://schemas.microsoft.com/office/drawing/2014/main" xmlns="" val="1251180638"/>
                   </a:ext>
                 </a:extLst>
               </a:tr>
@@ -32129,21 +32118,21 @@
                 <a:gridCol w="938778">
                   <a:extLst>
                     <a:ext uri="{9D8B030D-6E8A-4147-A177-3AD203B41FA5}">
-                      <a16:colId xmlns="" xmlns:a16="http://schemas.microsoft.com/office/drawing/2014/main" val="48614039"/>
+                      <a16:colId xmlns:a16="http://schemas.microsoft.com/office/drawing/2014/main" xmlns="" val="48614039"/>
                     </a:ext>
                   </a:extLst>
                 </a:gridCol>
                 <a:gridCol w="1232915">
                   <a:extLst>
                     <a:ext uri="{9D8B030D-6E8A-4147-A177-3AD203B41FA5}">
-                      <a16:colId xmlns="" xmlns:a16="http://schemas.microsoft.com/office/drawing/2014/main" val="1124546490"/>
+                      <a16:colId xmlns:a16="http://schemas.microsoft.com/office/drawing/2014/main" xmlns="" val="1124546490"/>
                     </a:ext>
                   </a:extLst>
                 </a:gridCol>
                 <a:gridCol w="1517360">
                   <a:extLst>
                     <a:ext uri="{9D8B030D-6E8A-4147-A177-3AD203B41FA5}">
-                      <a16:colId xmlns="" xmlns:a16="http://schemas.microsoft.com/office/drawing/2014/main" val="2986980724"/>
+                      <a16:colId xmlns:a16="http://schemas.microsoft.com/office/drawing/2014/main" xmlns="" val="2986980724"/>
                     </a:ext>
                   </a:extLst>
                 </a:gridCol>
@@ -32222,7 +32211,7 @@
                 </a:tc>
                 <a:extLst>
                   <a:ext uri="{0D108BD9-81ED-4DB2-BD59-A6C34878D82A}">
-                    <a16:rowId xmlns="" xmlns:a16="http://schemas.microsoft.com/office/drawing/2014/main" val="2034482246"/>
+                    <a16:rowId xmlns:a16="http://schemas.microsoft.com/office/drawing/2014/main" xmlns="" val="2034482246"/>
                   </a:ext>
                 </a:extLst>
               </a:tr>
@@ -32289,7 +32278,7 @@
                 </a:tc>
                 <a:extLst>
                   <a:ext uri="{0D108BD9-81ED-4DB2-BD59-A6C34878D82A}">
-                    <a16:rowId xmlns="" xmlns:a16="http://schemas.microsoft.com/office/drawing/2014/main" val="682465758"/>
+                    <a16:rowId xmlns:a16="http://schemas.microsoft.com/office/drawing/2014/main" xmlns="" val="682465758"/>
                   </a:ext>
                 </a:extLst>
               </a:tr>
@@ -32356,7 +32345,7 @@
                 </a:tc>
                 <a:extLst>
                   <a:ext uri="{0D108BD9-81ED-4DB2-BD59-A6C34878D82A}">
-                    <a16:rowId xmlns="" xmlns:a16="http://schemas.microsoft.com/office/drawing/2014/main" val="4230228483"/>
+                    <a16:rowId xmlns:a16="http://schemas.microsoft.com/office/drawing/2014/main" xmlns="" val="4230228483"/>
                   </a:ext>
                 </a:extLst>
               </a:tr>
@@ -32423,7 +32412,7 @@
                 </a:tc>
                 <a:extLst>
                   <a:ext uri="{0D108BD9-81ED-4DB2-BD59-A6C34878D82A}">
-                    <a16:rowId xmlns="" xmlns:a16="http://schemas.microsoft.com/office/drawing/2014/main" val="3329658239"/>
+                    <a16:rowId xmlns:a16="http://schemas.microsoft.com/office/drawing/2014/main" xmlns="" val="3329658239"/>
                   </a:ext>
                 </a:extLst>
               </a:tr>
@@ -32459,21 +32448,21 @@
                 <a:gridCol w="938778">
                   <a:extLst>
                     <a:ext uri="{9D8B030D-6E8A-4147-A177-3AD203B41FA5}">
-                      <a16:colId xmlns="" xmlns:a16="http://schemas.microsoft.com/office/drawing/2014/main" val="48614039"/>
+                      <a16:colId xmlns:a16="http://schemas.microsoft.com/office/drawing/2014/main" xmlns="" val="48614039"/>
                     </a:ext>
                   </a:extLst>
                 </a:gridCol>
                 <a:gridCol w="1232915">
                   <a:extLst>
                     <a:ext uri="{9D8B030D-6E8A-4147-A177-3AD203B41FA5}">
-                      <a16:colId xmlns="" xmlns:a16="http://schemas.microsoft.com/office/drawing/2014/main" val="1124546490"/>
+                      <a16:colId xmlns:a16="http://schemas.microsoft.com/office/drawing/2014/main" xmlns="" val="1124546490"/>
                     </a:ext>
                   </a:extLst>
                 </a:gridCol>
                 <a:gridCol w="1517360">
                   <a:extLst>
                     <a:ext uri="{9D8B030D-6E8A-4147-A177-3AD203B41FA5}">
-                      <a16:colId xmlns="" xmlns:a16="http://schemas.microsoft.com/office/drawing/2014/main" val="2986980724"/>
+                      <a16:colId xmlns:a16="http://schemas.microsoft.com/office/drawing/2014/main" xmlns="" val="2986980724"/>
                     </a:ext>
                   </a:extLst>
                 </a:gridCol>
@@ -32552,7 +32541,7 @@
                 </a:tc>
                 <a:extLst>
                   <a:ext uri="{0D108BD9-81ED-4DB2-BD59-A6C34878D82A}">
-                    <a16:rowId xmlns="" xmlns:a16="http://schemas.microsoft.com/office/drawing/2014/main" val="2034482246"/>
+                    <a16:rowId xmlns:a16="http://schemas.microsoft.com/office/drawing/2014/main" xmlns="" val="2034482246"/>
                   </a:ext>
                 </a:extLst>
               </a:tr>
@@ -32619,7 +32608,7 @@
                 </a:tc>
                 <a:extLst>
                   <a:ext uri="{0D108BD9-81ED-4DB2-BD59-A6C34878D82A}">
-                    <a16:rowId xmlns="" xmlns:a16="http://schemas.microsoft.com/office/drawing/2014/main" val="682465758"/>
+                    <a16:rowId xmlns:a16="http://schemas.microsoft.com/office/drawing/2014/main" xmlns="" val="682465758"/>
                   </a:ext>
                 </a:extLst>
               </a:tr>
@@ -32686,7 +32675,7 @@
                 </a:tc>
                 <a:extLst>
                   <a:ext uri="{0D108BD9-81ED-4DB2-BD59-A6C34878D82A}">
-                    <a16:rowId xmlns="" xmlns:a16="http://schemas.microsoft.com/office/drawing/2014/main" val="4230228483"/>
+                    <a16:rowId xmlns:a16="http://schemas.microsoft.com/office/drawing/2014/main" xmlns="" val="4230228483"/>
                   </a:ext>
                 </a:extLst>
               </a:tr>
@@ -32753,7 +32742,7 @@
                 </a:tc>
                 <a:extLst>
                   <a:ext uri="{0D108BD9-81ED-4DB2-BD59-A6C34878D82A}">
-                    <a16:rowId xmlns="" xmlns:a16="http://schemas.microsoft.com/office/drawing/2014/main" val="3329658239"/>
+                    <a16:rowId xmlns:a16="http://schemas.microsoft.com/office/drawing/2014/main" xmlns="" val="3329658239"/>
                   </a:ext>
                 </a:extLst>
               </a:tr>
@@ -32904,35 +32893,35 @@
                 <a:gridCol w="1399451">
                   <a:extLst>
                     <a:ext uri="{9D8B030D-6E8A-4147-A177-3AD203B41FA5}">
-                      <a16:colId xmlns="" xmlns:a16="http://schemas.microsoft.com/office/drawing/2014/main" val="2533295070"/>
+                      <a16:colId xmlns:a16="http://schemas.microsoft.com/office/drawing/2014/main" xmlns="" val="2533295070"/>
                     </a:ext>
                   </a:extLst>
                 </a:gridCol>
                 <a:gridCol w="1399451">
                   <a:extLst>
                     <a:ext uri="{9D8B030D-6E8A-4147-A177-3AD203B41FA5}">
-                      <a16:colId xmlns="" xmlns:a16="http://schemas.microsoft.com/office/drawing/2014/main" val="2823970733"/>
+                      <a16:colId xmlns:a16="http://schemas.microsoft.com/office/drawing/2014/main" xmlns="" val="2823970733"/>
                     </a:ext>
                   </a:extLst>
                 </a:gridCol>
                 <a:gridCol w="1399451">
                   <a:extLst>
                     <a:ext uri="{9D8B030D-6E8A-4147-A177-3AD203B41FA5}">
-                      <a16:colId xmlns="" xmlns:a16="http://schemas.microsoft.com/office/drawing/2014/main" val="1330945577"/>
+                      <a16:colId xmlns:a16="http://schemas.microsoft.com/office/drawing/2014/main" xmlns="" val="1330945577"/>
                     </a:ext>
                   </a:extLst>
                 </a:gridCol>
                 <a:gridCol w="1399451">
                   <a:extLst>
                     <a:ext uri="{9D8B030D-6E8A-4147-A177-3AD203B41FA5}">
-                      <a16:colId xmlns="" xmlns:a16="http://schemas.microsoft.com/office/drawing/2014/main" val="2007496317"/>
+                      <a16:colId xmlns:a16="http://schemas.microsoft.com/office/drawing/2014/main" xmlns="" val="2007496317"/>
                     </a:ext>
                   </a:extLst>
                 </a:gridCol>
                 <a:gridCol w="1399451">
                   <a:extLst>
                     <a:ext uri="{9D8B030D-6E8A-4147-A177-3AD203B41FA5}">
-                      <a16:colId xmlns="" xmlns:a16="http://schemas.microsoft.com/office/drawing/2014/main" val="1820086319"/>
+                      <a16:colId xmlns:a16="http://schemas.microsoft.com/office/drawing/2014/main" xmlns="" val="1820086319"/>
                     </a:ext>
                   </a:extLst>
                 </a:gridCol>
@@ -33055,7 +33044,7 @@
                 </a:tc>
                 <a:extLst>
                   <a:ext uri="{0D108BD9-81ED-4DB2-BD59-A6C34878D82A}">
-                    <a16:rowId xmlns="" xmlns:a16="http://schemas.microsoft.com/office/drawing/2014/main" val="1193057462"/>
+                    <a16:rowId xmlns:a16="http://schemas.microsoft.com/office/drawing/2014/main" xmlns="" val="1193057462"/>
                   </a:ext>
                 </a:extLst>
               </a:tr>
@@ -33152,7 +33141,7 @@
                 </a:tc>
                 <a:extLst>
                   <a:ext uri="{0D108BD9-81ED-4DB2-BD59-A6C34878D82A}">
-                    <a16:rowId xmlns="" xmlns:a16="http://schemas.microsoft.com/office/drawing/2014/main" val="18654810"/>
+                    <a16:rowId xmlns:a16="http://schemas.microsoft.com/office/drawing/2014/main" xmlns="" val="18654810"/>
                   </a:ext>
                 </a:extLst>
               </a:tr>
@@ -33250,7 +33239,7 @@
                 </a:tc>
                 <a:extLst>
                   <a:ext uri="{0D108BD9-81ED-4DB2-BD59-A6C34878D82A}">
-                    <a16:rowId xmlns="" xmlns:a16="http://schemas.microsoft.com/office/drawing/2014/main" val="2164408845"/>
+                    <a16:rowId xmlns:a16="http://schemas.microsoft.com/office/drawing/2014/main" xmlns="" val="2164408845"/>
                   </a:ext>
                 </a:extLst>
               </a:tr>
@@ -33348,7 +33337,7 @@
                 </a:tc>
                 <a:extLst>
                   <a:ext uri="{0D108BD9-81ED-4DB2-BD59-A6C34878D82A}">
-                    <a16:rowId xmlns="" xmlns:a16="http://schemas.microsoft.com/office/drawing/2014/main" val="2470211089"/>
+                    <a16:rowId xmlns:a16="http://schemas.microsoft.com/office/drawing/2014/main" xmlns="" val="2470211089"/>
                   </a:ext>
                 </a:extLst>
               </a:tr>
@@ -33446,7 +33435,7 @@
                 </a:tc>
                 <a:extLst>
                   <a:ext uri="{0D108BD9-81ED-4DB2-BD59-A6C34878D82A}">
-                    <a16:rowId xmlns="" xmlns:a16="http://schemas.microsoft.com/office/drawing/2014/main" val="494220112"/>
+                    <a16:rowId xmlns:a16="http://schemas.microsoft.com/office/drawing/2014/main" xmlns="" val="494220112"/>
                   </a:ext>
                 </a:extLst>
               </a:tr>
@@ -35980,14 +35969,14 @@
                 <a:gridCol w="2475924">
                   <a:extLst>
                     <a:ext uri="{9D8B030D-6E8A-4147-A177-3AD203B41FA5}">
-                      <a16:colId xmlns:a16="http://schemas.microsoft.com/office/drawing/2014/main" xmlns="" val="1124546490"/>
+                      <a16:colId xmlns="" xmlns:a16="http://schemas.microsoft.com/office/drawing/2014/main" val="1124546490"/>
                     </a:ext>
                   </a:extLst>
                 </a:gridCol>
                 <a:gridCol w="4848607">
                   <a:extLst>
                     <a:ext uri="{9D8B030D-6E8A-4147-A177-3AD203B41FA5}">
-                      <a16:colId xmlns:a16="http://schemas.microsoft.com/office/drawing/2014/main" xmlns="" val="2986980724"/>
+                      <a16:colId xmlns="" xmlns:a16="http://schemas.microsoft.com/office/drawing/2014/main" val="2986980724"/>
                     </a:ext>
                   </a:extLst>
                 </a:gridCol>
@@ -36065,7 +36054,7 @@
                 </a:tc>
                 <a:extLst>
                   <a:ext uri="{0D108BD9-81ED-4DB2-BD59-A6C34878D82A}">
-                    <a16:rowId xmlns:a16="http://schemas.microsoft.com/office/drawing/2014/main" xmlns="" val="679667022"/>
+                    <a16:rowId xmlns="" xmlns:a16="http://schemas.microsoft.com/office/drawing/2014/main" val="679667022"/>
                   </a:ext>
                 </a:extLst>
               </a:tr>
@@ -36128,7 +36117,7 @@
                 </a:tc>
                 <a:extLst>
                   <a:ext uri="{0D108BD9-81ED-4DB2-BD59-A6C34878D82A}">
-                    <a16:rowId xmlns:a16="http://schemas.microsoft.com/office/drawing/2014/main" xmlns="" val="2034482246"/>
+                    <a16:rowId xmlns="" xmlns:a16="http://schemas.microsoft.com/office/drawing/2014/main" val="2034482246"/>
                   </a:ext>
                 </a:extLst>
               </a:tr>
@@ -36203,7 +36192,7 @@
                 </a:tc>
                 <a:extLst>
                   <a:ext uri="{0D108BD9-81ED-4DB2-BD59-A6C34878D82A}">
-                    <a16:rowId xmlns:a16="http://schemas.microsoft.com/office/drawing/2014/main" xmlns="" val="682465758"/>
+                    <a16:rowId xmlns="" xmlns:a16="http://schemas.microsoft.com/office/drawing/2014/main" val="682465758"/>
                   </a:ext>
                 </a:extLst>
               </a:tr>
@@ -38029,7 +38018,7 @@
   <a:extraClrSchemeLst/>
   <a:extLst>
     <a:ext uri="{05A4C25C-085E-4340-85A3-A5531E510DB2}">
-      <thm15:themeFamily xmlns="" xmlns:thm15="http://schemas.microsoft.com/office/thememl/2012/main" name="Office Theme" id="{62F939B6-93AF-4DB8-9C6B-D6C7DFDC589F}" vid="{4A3C46E8-61CC-4603-A589-7422A47A8E4A}"/>
+      <thm15:themeFamily xmlns:thm15="http://schemas.microsoft.com/office/thememl/2012/main" xmlns="" name="Office Theme" id="{62F939B6-93AF-4DB8-9C6B-D6C7DFDC589F}" vid="{4A3C46E8-61CC-4603-A589-7422A47A8E4A}"/>
     </a:ext>
   </a:extLst>
 </a:theme>
@@ -38298,7 +38287,7 @@
   <a:extraClrSchemeLst/>
   <a:extLst>
     <a:ext uri="{05A4C25C-085E-4340-85A3-A5531E510DB2}">
-      <thm15:themeFamily xmlns="" xmlns:thm15="http://schemas.microsoft.com/office/thememl/2012/main" name="Office Theme" id="{62F939B6-93AF-4DB8-9C6B-D6C7DFDC589F}" vid="{4A3C46E8-61CC-4603-A589-7422A47A8E4A}"/>
+      <thm15:themeFamily xmlns:thm15="http://schemas.microsoft.com/office/thememl/2012/main" xmlns="" name="Office Theme" id="{62F939B6-93AF-4DB8-9C6B-D6C7DFDC589F}" vid="{4A3C46E8-61CC-4603-A589-7422A47A8E4A}"/>
     </a:ext>
   </a:extLst>
 </a:theme>
@@ -38565,7 +38554,7 @@
   <a:extraClrSchemeLst/>
   <a:extLst>
     <a:ext uri="{05A4C25C-085E-4340-85A3-A5531E510DB2}">
-      <thm15:themeFamily xmlns="" xmlns:thm15="http://schemas.microsoft.com/office/thememl/2012/main" name="Office Theme" id="{62F939B6-93AF-4DB8-9C6B-D6C7DFDC589F}" vid="{4A3C46E8-61CC-4603-A589-7422A47A8E4A}"/>
+      <thm15:themeFamily xmlns:thm15="http://schemas.microsoft.com/office/thememl/2012/main" xmlns="" name="Office Theme" id="{62F939B6-93AF-4DB8-9C6B-D6C7DFDC589F}" vid="{4A3C46E8-61CC-4603-A589-7422A47A8E4A}"/>
     </a:ext>
   </a:extLst>
 </a:theme>
@@ -38898,7 +38887,7 @@
   <a:extraClrSchemeLst/>
   <a:extLst>
     <a:ext uri="{05A4C25C-085E-4340-85A3-A5531E510DB2}">
-      <thm15:themeFamily xmlns:thm15="http://schemas.microsoft.com/office/thememl/2012/main" xmlns="" name="Azure4ResearchTemplate" id="{DD1C6CE8-BDBA-0D4F-9930-3643ABC8EF0E}" vid="{B5C66FD7-0952-994B-96D6-AB3BB89097FE}"/>
+      <thm15:themeFamily xmlns="" xmlns:thm15="http://schemas.microsoft.com/office/thememl/2012/main" name="Azure4ResearchTemplate" id="{DD1C6CE8-BDBA-0D4F-9930-3643ABC8EF0E}" vid="{B5C66FD7-0952-994B-96D6-AB3BB89097FE}"/>
     </a:ext>
   </a:extLst>
 </a:theme>
@@ -39193,7 +39182,7 @@
   <a:extraClrSchemeLst/>
   <a:extLst>
     <a:ext uri="{05A4C25C-085E-4340-85A3-A5531E510DB2}">
-      <thm15:themeFamily xmlns="" xmlns:thm15="http://schemas.microsoft.com/office/thememl/2012/main" name="Office Theme" id="{62F939B6-93AF-4DB8-9C6B-D6C7DFDC589F}" vid="{4A3C46E8-61CC-4603-A589-7422A47A8E4A}"/>
+      <thm15:themeFamily xmlns:thm15="http://schemas.microsoft.com/office/thememl/2012/main" xmlns="" name="Office Theme" id="{62F939B6-93AF-4DB8-9C6B-D6C7DFDC589F}" vid="{4A3C46E8-61CC-4603-A589-7422A47A8E4A}"/>
     </a:ext>
   </a:extLst>
 </a:theme>
